--- a/presentation/Final_Presentation.pptx
+++ b/presentation/Final_Presentation.pptx
@@ -873,7 +873,7 @@
           <a:p>
             <a:fld id="{1AD2A1CF-1E06-4EA5-B990-24B22F9C21E7}" type="datetimeFigureOut">
               <a:rPr lang="en-US" smtClean="0"/>
-              <a:t>4/26/2018</a:t>
+              <a:t>4/27/2018</a:t>
             </a:fld>
             <a:endParaRPr lang="en-US"/>
           </a:p>
@@ -1225,26 +1225,26 @@
             </a:r>
             <a:r>
               <a:rPr lang="en-CA" altLang="ko-KR" baseline="0" dirty="0" smtClean="0"/>
-              <a:t>have or they might </a:t>
-            </a:r>
-            <a:r>
-              <a:rPr lang="en-CA" altLang="ko-KR" baseline="0" dirty="0" err="1" smtClean="0"/>
-              <a:t>wanna</a:t>
+              <a:t>have.</a:t>
+            </a:r>
+            <a:endParaRPr lang="en-CA" altLang="ko-KR" baseline="0" dirty="0"/>
+          </a:p>
+          <a:p>
+            <a:r>
+              <a:rPr lang="en-CA" altLang="ko-KR" baseline="0" dirty="0"/>
+              <a:t>These ingredient icons are based on most common ingredients that people </a:t>
+            </a:r>
+            <a:r>
+              <a:rPr lang="en-CA" altLang="ko-KR" baseline="0"/>
+              <a:t>throw </a:t>
+            </a:r>
+            <a:r>
+              <a:rPr lang="en-CA" altLang="ko-KR" baseline="0" smtClean="0"/>
+              <a:t>as </a:t>
             </a:r>
             <a:r>
               <a:rPr lang="en-CA" altLang="ko-KR" baseline="0" dirty="0" smtClean="0"/>
-              <a:t> use.</a:t>
-            </a:r>
-            <a:endParaRPr lang="en-CA" altLang="ko-KR" baseline="0" dirty="0"/>
-          </a:p>
-          <a:p>
-            <a:r>
-              <a:rPr lang="en-CA" altLang="ko-KR" baseline="0" dirty="0"/>
-              <a:t>These ingredient icons are based on most common ingredients that people throw </a:t>
-            </a:r>
-            <a:r>
-              <a:rPr lang="en-CA" altLang="ko-KR" baseline="0" dirty="0" smtClean="0"/>
-              <a:t>waste as we saw previous slide.</a:t>
+              <a:t>we saw previous slide.</a:t>
             </a:r>
             <a:endParaRPr lang="en-CA" altLang="ko-KR" baseline="0" dirty="0"/>
           </a:p>
@@ -2792,7 +2792,7 @@
             <a:fld id="{B61BEF0D-F0BB-DE4B-95CE-6DB70DBA9567}" type="datetimeFigureOut">
               <a:rPr lang="en-US" dirty="0"/>
               <a:pPr/>
-              <a:t>4/26/2018</a:t>
+              <a:t>4/27/2018</a:t>
             </a:fld>
             <a:endParaRPr lang="en-US" dirty="0"/>
           </a:p>
@@ -3113,7 +3113,7 @@
             <a:fld id="{B61BEF0D-F0BB-DE4B-95CE-6DB70DBA9567}" type="datetimeFigureOut">
               <a:rPr lang="en-US" dirty="0"/>
               <a:pPr/>
-              <a:t>4/26/2018</a:t>
+              <a:t>4/27/2018</a:t>
             </a:fld>
             <a:endParaRPr lang="en-US" dirty="0"/>
           </a:p>
@@ -3358,7 +3358,7 @@
             <a:fld id="{B61BEF0D-F0BB-DE4B-95CE-6DB70DBA9567}" type="datetimeFigureOut">
               <a:rPr lang="en-US" dirty="0"/>
               <a:pPr/>
-              <a:t>4/26/2018</a:t>
+              <a:t>4/27/2018</a:t>
             </a:fld>
             <a:endParaRPr lang="en-US" dirty="0"/>
           </a:p>
@@ -3694,7 +3694,7 @@
             <a:fld id="{B61BEF0D-F0BB-DE4B-95CE-6DB70DBA9567}" type="datetimeFigureOut">
               <a:rPr lang="en-US" dirty="0"/>
               <a:pPr/>
-              <a:t>4/26/2018</a:t>
+              <a:t>4/27/2018</a:t>
             </a:fld>
             <a:endParaRPr lang="en-US" dirty="0"/>
           </a:p>
@@ -4038,7 +4038,7 @@
             <a:fld id="{B61BEF0D-F0BB-DE4B-95CE-6DB70DBA9567}" type="datetimeFigureOut">
               <a:rPr lang="en-US" dirty="0"/>
               <a:pPr/>
-              <a:t>4/26/2018</a:t>
+              <a:t>4/27/2018</a:t>
             </a:fld>
             <a:endParaRPr lang="en-US" dirty="0"/>
           </a:p>
@@ -4409,7 +4409,7 @@
             <a:fld id="{B61BEF0D-F0BB-DE4B-95CE-6DB70DBA9567}" type="datetimeFigureOut">
               <a:rPr lang="en-US" dirty="0"/>
               <a:pPr/>
-              <a:t>4/26/2018</a:t>
+              <a:t>4/27/2018</a:t>
             </a:fld>
             <a:endParaRPr lang="en-US" dirty="0"/>
           </a:p>
@@ -4876,7 +4876,7 @@
             <a:fld id="{B61BEF0D-F0BB-DE4B-95CE-6DB70DBA9567}" type="datetimeFigureOut">
               <a:rPr lang="en-US" dirty="0"/>
               <a:pPr/>
-              <a:t>4/26/2018</a:t>
+              <a:t>4/27/2018</a:t>
             </a:fld>
             <a:endParaRPr lang="en-US" dirty="0"/>
           </a:p>
@@ -5078,7 +5078,7 @@
             <a:fld id="{B61BEF0D-F0BB-DE4B-95CE-6DB70DBA9567}" type="datetimeFigureOut">
               <a:rPr lang="en-US" dirty="0"/>
               <a:pPr/>
-              <a:t>4/26/2018</a:t>
+              <a:t>4/27/2018</a:t>
             </a:fld>
             <a:endParaRPr lang="en-US" dirty="0"/>
           </a:p>
@@ -5286,7 +5286,7 @@
             <a:fld id="{B61BEF0D-F0BB-DE4B-95CE-6DB70DBA9567}" type="datetimeFigureOut">
               <a:rPr lang="en-US" dirty="0"/>
               <a:pPr/>
-              <a:t>4/26/2018</a:t>
+              <a:t>4/27/2018</a:t>
             </a:fld>
             <a:endParaRPr lang="en-US" dirty="0"/>
           </a:p>
@@ -5505,7 +5505,7 @@
           <a:p>
             <a:fld id="{F66B3CCF-7C8C-49D2-A243-5BDE7D7AFD0F}" type="datetimeFigureOut">
               <a:rPr lang="ko-KR" altLang="en-US" smtClean="0"/>
-              <a:t>2018-04-26</a:t>
+              <a:t>2018-04-27</a:t>
             </a:fld>
             <a:endParaRPr lang="ko-KR" altLang="en-US"/>
           </a:p>
@@ -5675,7 +5675,7 @@
           <a:p>
             <a:fld id="{F66B3CCF-7C8C-49D2-A243-5BDE7D7AFD0F}" type="datetimeFigureOut">
               <a:rPr lang="ko-KR" altLang="en-US" smtClean="0"/>
-              <a:t>2018-04-26</a:t>
+              <a:t>2018-04-27</a:t>
             </a:fld>
             <a:endParaRPr lang="ko-KR" altLang="en-US"/>
           </a:p>
@@ -5876,7 +5876,7 @@
           <a:p>
             <a:fld id="{52647F38-B617-4D2F-AE0A-013F0C4D2C57}" type="datetimeFigureOut">
               <a:rPr lang="en-US" dirty="0"/>
-              <a:t>4/26/2018</a:t>
+              <a:t>4/27/2018</a:t>
             </a:fld>
             <a:endParaRPr lang="en-US" dirty="0"/>
           </a:p>
@@ -6117,7 +6117,7 @@
           <a:p>
             <a:fld id="{F66B3CCF-7C8C-49D2-A243-5BDE7D7AFD0F}" type="datetimeFigureOut">
               <a:rPr lang="ko-KR" altLang="en-US" smtClean="0"/>
-              <a:t>2018-04-26</a:t>
+              <a:t>2018-04-27</a:t>
             </a:fld>
             <a:endParaRPr lang="ko-KR" altLang="en-US"/>
           </a:p>
@@ -6349,7 +6349,7 @@
           <a:p>
             <a:fld id="{F66B3CCF-7C8C-49D2-A243-5BDE7D7AFD0F}" type="datetimeFigureOut">
               <a:rPr lang="ko-KR" altLang="en-US" smtClean="0"/>
-              <a:t>2018-04-26</a:t>
+              <a:t>2018-04-27</a:t>
             </a:fld>
             <a:endParaRPr lang="ko-KR" altLang="en-US"/>
           </a:p>
@@ -6716,7 +6716,7 @@
           <a:p>
             <a:fld id="{F66B3CCF-7C8C-49D2-A243-5BDE7D7AFD0F}" type="datetimeFigureOut">
               <a:rPr lang="ko-KR" altLang="en-US" smtClean="0"/>
-              <a:t>2018-04-26</a:t>
+              <a:t>2018-04-27</a:t>
             </a:fld>
             <a:endParaRPr lang="ko-KR" altLang="en-US"/>
           </a:p>
@@ -6834,7 +6834,7 @@
           <a:p>
             <a:fld id="{F66B3CCF-7C8C-49D2-A243-5BDE7D7AFD0F}" type="datetimeFigureOut">
               <a:rPr lang="ko-KR" altLang="en-US" smtClean="0"/>
-              <a:t>2018-04-26</a:t>
+              <a:t>2018-04-27</a:t>
             </a:fld>
             <a:endParaRPr lang="ko-KR" altLang="en-US"/>
           </a:p>
@@ -6929,7 +6929,7 @@
           <a:p>
             <a:fld id="{F66B3CCF-7C8C-49D2-A243-5BDE7D7AFD0F}" type="datetimeFigureOut">
               <a:rPr lang="ko-KR" altLang="en-US" smtClean="0"/>
-              <a:t>2018-04-26</a:t>
+              <a:t>2018-04-27</a:t>
             </a:fld>
             <a:endParaRPr lang="ko-KR" altLang="en-US"/>
           </a:p>
@@ -7206,7 +7206,7 @@
           <a:p>
             <a:fld id="{F66B3CCF-7C8C-49D2-A243-5BDE7D7AFD0F}" type="datetimeFigureOut">
               <a:rPr lang="ko-KR" altLang="en-US" smtClean="0"/>
-              <a:t>2018-04-26</a:t>
+              <a:t>2018-04-27</a:t>
             </a:fld>
             <a:endParaRPr lang="ko-KR" altLang="en-US"/>
           </a:p>
@@ -7463,7 +7463,7 @@
           <a:p>
             <a:fld id="{F66B3CCF-7C8C-49D2-A243-5BDE7D7AFD0F}" type="datetimeFigureOut">
               <a:rPr lang="ko-KR" altLang="en-US" smtClean="0"/>
-              <a:t>2018-04-26</a:t>
+              <a:t>2018-04-27</a:t>
             </a:fld>
             <a:endParaRPr lang="ko-KR" altLang="en-US"/>
           </a:p>
@@ -7633,7 +7633,7 @@
           <a:p>
             <a:fld id="{F66B3CCF-7C8C-49D2-A243-5BDE7D7AFD0F}" type="datetimeFigureOut">
               <a:rPr lang="ko-KR" altLang="en-US" smtClean="0"/>
-              <a:t>2018-04-26</a:t>
+              <a:t>2018-04-27</a:t>
             </a:fld>
             <a:endParaRPr lang="ko-KR" altLang="en-US"/>
           </a:p>
@@ -7813,7 +7813,7 @@
           <a:p>
             <a:fld id="{F66B3CCF-7C8C-49D2-A243-5BDE7D7AFD0F}" type="datetimeFigureOut">
               <a:rPr lang="ko-KR" altLang="en-US" smtClean="0"/>
-              <a:t>2018-04-26</a:t>
+              <a:t>2018-04-27</a:t>
             </a:fld>
             <a:endParaRPr lang="ko-KR" altLang="en-US"/>
           </a:p>
@@ -8062,7 +8062,7 @@
             <a:fld id="{B61BEF0D-F0BB-DE4B-95CE-6DB70DBA9567}" type="datetimeFigureOut">
               <a:rPr lang="en-US" dirty="0"/>
               <a:pPr/>
-              <a:t>4/26/2018</a:t>
+              <a:t>4/27/2018</a:t>
             </a:fld>
             <a:endParaRPr lang="en-US" dirty="0"/>
           </a:p>
@@ -8356,7 +8356,7 @@
           <a:p>
             <a:fld id="{05BFA754-D5C3-4E66-96A6-867B257F58DC}" type="datetimeFigureOut">
               <a:rPr lang="en-US" dirty="0"/>
-              <a:t>4/26/2018</a:t>
+              <a:t>4/27/2018</a:t>
             </a:fld>
             <a:endParaRPr lang="en-US" dirty="0"/>
           </a:p>
@@ -8746,7 +8746,7 @@
             <a:fld id="{B61BEF0D-F0BB-DE4B-95CE-6DB70DBA9567}" type="datetimeFigureOut">
               <a:rPr lang="en-US" dirty="0"/>
               <a:pPr/>
-              <a:t>4/26/2018</a:t>
+              <a:t>4/27/2018</a:t>
             </a:fld>
             <a:endParaRPr lang="en-US" dirty="0"/>
           </a:p>
@@ -8892,7 +8892,7 @@
             <a:fld id="{B61BEF0D-F0BB-DE4B-95CE-6DB70DBA9567}" type="datetimeFigureOut">
               <a:rPr lang="en-US" dirty="0"/>
               <a:pPr/>
-              <a:t>4/26/2018</a:t>
+              <a:t>4/27/2018</a:t>
             </a:fld>
             <a:endParaRPr lang="en-US" dirty="0"/>
           </a:p>
@@ -9015,7 +9015,7 @@
             <a:fld id="{B61BEF0D-F0BB-DE4B-95CE-6DB70DBA9567}" type="datetimeFigureOut">
               <a:rPr lang="en-US" dirty="0"/>
               <a:pPr/>
-              <a:t>4/26/2018</a:t>
+              <a:t>4/27/2018</a:t>
             </a:fld>
             <a:endParaRPr lang="en-US" dirty="0"/>
           </a:p>
@@ -9267,7 +9267,7 @@
             <a:fld id="{B61BEF0D-F0BB-DE4B-95CE-6DB70DBA9567}" type="datetimeFigureOut">
               <a:rPr lang="en-US" dirty="0"/>
               <a:pPr/>
-              <a:t>4/26/2018</a:t>
+              <a:t>4/27/2018</a:t>
             </a:fld>
             <a:endParaRPr lang="en-US" dirty="0"/>
           </a:p>
@@ -9579,7 +9579,7 @@
             <a:fld id="{B61BEF0D-F0BB-DE4B-95CE-6DB70DBA9567}" type="datetimeFigureOut">
               <a:rPr lang="en-US" dirty="0"/>
               <a:pPr/>
-              <a:t>4/26/2018</a:t>
+              <a:t>4/27/2018</a:t>
             </a:fld>
             <a:endParaRPr lang="en-US" dirty="0"/>
           </a:p>
@@ -9927,7 +9927,7 @@
             <a:fld id="{B61BEF0D-F0BB-DE4B-95CE-6DB70DBA9567}" type="datetimeFigureOut">
               <a:rPr lang="en-US" dirty="0"/>
               <a:pPr/>
-              <a:t>4/26/2018</a:t>
+              <a:t>4/27/2018</a:t>
             </a:fld>
             <a:endParaRPr lang="en-US" dirty="0"/>
           </a:p>
@@ -10602,7 +10602,7 @@
             <a:fld id="{B61BEF0D-F0BB-DE4B-95CE-6DB70DBA9567}" type="datetimeFigureOut">
               <a:rPr lang="en-US" smtClean="0"/>
               <a:pPr/>
-              <a:t>4/26/2018</a:t>
+              <a:t>4/27/2018</a:t>
             </a:fld>
             <a:endParaRPr lang="en-US" dirty="0"/>
           </a:p>
@@ -11579,6 +11579,13 @@
   <p:clrMapOvr>
     <a:masterClrMapping/>
   </p:clrMapOvr>
+  <p:timing>
+    <p:tnLst>
+      <p:par>
+        <p:cTn id="1" dur="indefinite" restart="never" nodeType="tmRoot"/>
+      </p:par>
+    </p:tnLst>
+  </p:timing>
 </p:sld>
 </file>
 
@@ -18487,7 +18494,7 @@
                 <a14:useLocalDpi xmlns:a14="http://schemas.microsoft.com/office/drawing/2010/main" val="0"/>
               </a:ext>
               <a:ext uri="{96DAC541-7B7A-43D3-8B79-37D633B846F1}">
-                <asvg:svgBlip xmlns:asvg="http://schemas.microsoft.com/office/drawing/2016/SVG/main" xmlns="" r:embed="rId6"/>
+                <asvg:svgBlip xmlns="" xmlns:asvg="http://schemas.microsoft.com/office/drawing/2016/SVG/main" r:embed="rId6"/>
               </a:ext>
             </a:extLst>
           </a:blip>
@@ -19017,6 +19024,13 @@
   <p:clrMapOvr>
     <a:masterClrMapping/>
   </p:clrMapOvr>
+  <p:timing>
+    <p:tnLst>
+      <p:par>
+        <p:cTn id="1" dur="indefinite" restart="never" nodeType="tmRoot"/>
+      </p:par>
+    </p:tnLst>
+  </p:timing>
 </p:sld>
 </file>
 
@@ -19159,7 +19173,7 @@
                 <a14:useLocalDpi xmlns:a14="http://schemas.microsoft.com/office/drawing/2010/main" val="0"/>
               </a:ext>
               <a:ext uri="{96DAC541-7B7A-43D3-8B79-37D633B846F1}">
-                <asvg:svgBlip xmlns:asvg="http://schemas.microsoft.com/office/drawing/2016/SVG/main" xmlns="" r:embed="rId3"/>
+                <asvg:svgBlip xmlns="" xmlns:asvg="http://schemas.microsoft.com/office/drawing/2016/SVG/main" r:embed="rId3"/>
               </a:ext>
             </a:extLst>
           </a:blip>
@@ -19197,7 +19211,7 @@
                 <a14:useLocalDpi xmlns:a14="http://schemas.microsoft.com/office/drawing/2010/main" val="0"/>
               </a:ext>
               <a:ext uri="{96DAC541-7B7A-43D3-8B79-37D633B846F1}">
-                <asvg:svgBlip xmlns:asvg="http://schemas.microsoft.com/office/drawing/2016/SVG/main" xmlns="" r:embed="rId3"/>
+                <asvg:svgBlip xmlns="" xmlns:asvg="http://schemas.microsoft.com/office/drawing/2016/SVG/main" r:embed="rId3"/>
               </a:ext>
             </a:extLst>
           </a:blip>
